--- a/docs/diagrams/NetworkComponentClassDiagram.pptx
+++ b/docs/diagrams/NetworkComponentClassDiagram.pptx
@@ -208,7 +208,7 @@
           <a:p>
             <a:fld id="{F5CC4B3F-88C1-4FFA-B1B6-F41C21DC6924}" type="datetimeFigureOut">
               <a:rPr lang="en-US" smtClean="0"/>
-              <a:t>3/22/2018</a:t>
+              <a:t>4/10/2018</a:t>
             </a:fld>
             <a:endParaRPr lang="en-US"/>
           </a:p>
@@ -654,7 +654,7 @@
           <a:p>
             <a:fld id="{78C97017-6FC3-485B-9764-EAC9E56C1D49}" type="datetimeFigureOut">
               <a:rPr lang="en-US" smtClean="0"/>
-              <a:t>3/22/2018</a:t>
+              <a:t>4/10/2018</a:t>
             </a:fld>
             <a:endParaRPr lang="en-US"/>
           </a:p>
@@ -822,7 +822,7 @@
           <a:p>
             <a:fld id="{78C97017-6FC3-485B-9764-EAC9E56C1D49}" type="datetimeFigureOut">
               <a:rPr lang="en-US" smtClean="0"/>
-              <a:t>3/22/2018</a:t>
+              <a:t>4/10/2018</a:t>
             </a:fld>
             <a:endParaRPr lang="en-US"/>
           </a:p>
@@ -1000,7 +1000,7 @@
           <a:p>
             <a:fld id="{78C97017-6FC3-485B-9764-EAC9E56C1D49}" type="datetimeFigureOut">
               <a:rPr lang="en-US" smtClean="0"/>
-              <a:t>3/22/2018</a:t>
+              <a:t>4/10/2018</a:t>
             </a:fld>
             <a:endParaRPr lang="en-US"/>
           </a:p>
@@ -1168,7 +1168,7 @@
           <a:p>
             <a:fld id="{78C97017-6FC3-485B-9764-EAC9E56C1D49}" type="datetimeFigureOut">
               <a:rPr lang="en-US" smtClean="0"/>
-              <a:t>3/22/2018</a:t>
+              <a:t>4/10/2018</a:t>
             </a:fld>
             <a:endParaRPr lang="en-US"/>
           </a:p>
@@ -1413,7 +1413,7 @@
           <a:p>
             <a:fld id="{78C97017-6FC3-485B-9764-EAC9E56C1D49}" type="datetimeFigureOut">
               <a:rPr lang="en-US" smtClean="0"/>
-              <a:t>3/22/2018</a:t>
+              <a:t>4/10/2018</a:t>
             </a:fld>
             <a:endParaRPr lang="en-US"/>
           </a:p>
@@ -1698,7 +1698,7 @@
           <a:p>
             <a:fld id="{78C97017-6FC3-485B-9764-EAC9E56C1D49}" type="datetimeFigureOut">
               <a:rPr lang="en-US" smtClean="0"/>
-              <a:t>3/22/2018</a:t>
+              <a:t>4/10/2018</a:t>
             </a:fld>
             <a:endParaRPr lang="en-US"/>
           </a:p>
@@ -2117,7 +2117,7 @@
           <a:p>
             <a:fld id="{78C97017-6FC3-485B-9764-EAC9E56C1D49}" type="datetimeFigureOut">
               <a:rPr lang="en-US" smtClean="0"/>
-              <a:t>3/22/2018</a:t>
+              <a:t>4/10/2018</a:t>
             </a:fld>
             <a:endParaRPr lang="en-US"/>
           </a:p>
@@ -2234,7 +2234,7 @@
           <a:p>
             <a:fld id="{78C97017-6FC3-485B-9764-EAC9E56C1D49}" type="datetimeFigureOut">
               <a:rPr lang="en-US" smtClean="0"/>
-              <a:t>3/22/2018</a:t>
+              <a:t>4/10/2018</a:t>
             </a:fld>
             <a:endParaRPr lang="en-US"/>
           </a:p>
@@ -2329,7 +2329,7 @@
           <a:p>
             <a:fld id="{78C97017-6FC3-485B-9764-EAC9E56C1D49}" type="datetimeFigureOut">
               <a:rPr lang="en-US" smtClean="0"/>
-              <a:t>3/22/2018</a:t>
+              <a:t>4/10/2018</a:t>
             </a:fld>
             <a:endParaRPr lang="en-US"/>
           </a:p>
@@ -2604,7 +2604,7 @@
           <a:p>
             <a:fld id="{78C97017-6FC3-485B-9764-EAC9E56C1D49}" type="datetimeFigureOut">
               <a:rPr lang="en-US" smtClean="0"/>
-              <a:t>3/22/2018</a:t>
+              <a:t>4/10/2018</a:t>
             </a:fld>
             <a:endParaRPr lang="en-US"/>
           </a:p>
@@ -2856,7 +2856,7 @@
           <a:p>
             <a:fld id="{78C97017-6FC3-485B-9764-EAC9E56C1D49}" type="datetimeFigureOut">
               <a:rPr lang="en-US" smtClean="0"/>
-              <a:t>3/22/2018</a:t>
+              <a:t>4/10/2018</a:t>
             </a:fld>
             <a:endParaRPr lang="en-US"/>
           </a:p>
@@ -3067,7 +3067,7 @@
           <a:p>
             <a:fld id="{78C97017-6FC3-485B-9764-EAC9E56C1D49}" type="datetimeFigureOut">
               <a:rPr lang="en-US" smtClean="0"/>
-              <a:t>3/22/2018</a:t>
+              <a:t>4/10/2018</a:t>
             </a:fld>
             <a:endParaRPr lang="en-US"/>
           </a:p>
@@ -3450,8 +3450,8 @@
         </p:nvSpPr>
         <p:spPr>
           <a:xfrm>
-            <a:off x="1119865" y="2086382"/>
-            <a:ext cx="6271535" cy="1723618"/>
+            <a:off x="1066327" y="1495403"/>
+            <a:ext cx="6271535" cy="2379357"/>
           </a:xfrm>
           <a:prstGeom prst="roundRect">
             <a:avLst>
@@ -3488,7 +3488,7 @@
           <a:lstStyle/>
           <a:p>
             <a:r>
-              <a:rPr lang="en-US" sz="1200" b="1" smtClean="0">
+              <a:rPr lang="en-US" sz="1200" b="1">
                 <a:solidFill>
                   <a:schemeClr val="accent2">
                     <a:lumMod val="75000"/>
@@ -3515,8 +3515,8 @@
         </p:nvSpPr>
         <p:spPr>
           <a:xfrm rot="16200000">
-            <a:off x="1683963" y="2868687"/>
-            <a:ext cx="1093635" cy="346760"/>
+            <a:off x="1349427" y="2656403"/>
+            <a:ext cx="1655631" cy="346760"/>
           </a:xfrm>
           <a:prstGeom prst="rect">
             <a:avLst/>
@@ -3555,7 +3555,7 @@
           <a:p>
             <a:pPr algn="ctr"/>
             <a:r>
-              <a:rPr lang="en-US" sz="1050" smtClean="0">
+              <a:rPr lang="en-US" sz="1050">
                 <a:solidFill>
                   <a:schemeClr val="bg1"/>
                 </a:solidFill>
@@ -3566,7 +3566,7 @@
           <a:p>
             <a:pPr algn="ctr"/>
             <a:r>
-              <a:rPr lang="en-US" sz="1050" smtClean="0">
+              <a:rPr lang="en-US" sz="1050">
                 <a:solidFill>
                   <a:schemeClr val="bg1"/>
                 </a:solidFill>
@@ -3589,8 +3589,8 @@
         </p:nvSpPr>
         <p:spPr>
           <a:xfrm rot="16200000">
-            <a:off x="956202" y="2861202"/>
-            <a:ext cx="1093635" cy="346760"/>
+            <a:off x="621666" y="2648918"/>
+            <a:ext cx="1655631" cy="346760"/>
           </a:xfrm>
           <a:prstGeom prst="rect">
             <a:avLst/>
@@ -3640,7 +3640,7 @@
           <a:p>
             <a:pPr algn="ctr"/>
             <a:r>
-              <a:rPr lang="en-US" sz="1050" smtClean="0">
+              <a:rPr lang="en-US" sz="1050">
                 <a:solidFill>
                   <a:schemeClr val="bg1"/>
                 </a:solidFill>
@@ -3663,7 +3663,7 @@
         </p:nvSpPr>
         <p:spPr>
           <a:xfrm rot="16200000">
-            <a:off x="1626910" y="2952291"/>
+            <a:off x="1573372" y="2459009"/>
             <a:ext cx="270504" cy="175523"/>
           </a:xfrm>
           <a:prstGeom prst="triangle">
@@ -3718,7 +3718,7 @@
         </p:nvCxnSpPr>
         <p:spPr>
           <a:xfrm>
-            <a:off x="910091" y="3040053"/>
+            <a:off x="856553" y="2546771"/>
             <a:ext cx="419548" cy="2860"/>
           </a:xfrm>
           <a:prstGeom prst="bentConnector3">
@@ -3763,7 +3763,7 @@
         </p:nvCxnSpPr>
         <p:spPr>
           <a:xfrm flipV="1">
-            <a:off x="1849924" y="3040052"/>
+            <a:off x="1796386" y="2546770"/>
             <a:ext cx="216105" cy="1"/>
           </a:xfrm>
           <a:prstGeom prst="line">
@@ -3804,7 +3804,7 @@
         </p:nvSpPr>
         <p:spPr>
           <a:xfrm>
-            <a:off x="2546079" y="2673968"/>
+            <a:off x="2489059" y="2883393"/>
             <a:ext cx="131116" cy="230832"/>
           </a:xfrm>
           <a:prstGeom prst="rect">
@@ -3847,7 +3847,7 @@
         </p:nvCxnSpPr>
         <p:spPr>
           <a:xfrm>
-            <a:off x="2392050" y="2627307"/>
+            <a:off x="2335030" y="2836732"/>
             <a:ext cx="361447" cy="0"/>
           </a:xfrm>
           <a:prstGeom prst="line">
@@ -3888,7 +3888,7 @@
         </p:nvSpPr>
         <p:spPr>
           <a:xfrm>
-            <a:off x="2546079" y="3350568"/>
+            <a:off x="2492541" y="2178971"/>
             <a:ext cx="131116" cy="230832"/>
           </a:xfrm>
           <a:prstGeom prst="rect">
@@ -3931,7 +3931,7 @@
         </p:nvCxnSpPr>
         <p:spPr>
           <a:xfrm>
-            <a:off x="2392050" y="3303907"/>
+            <a:off x="2338512" y="2132310"/>
             <a:ext cx="361447" cy="0"/>
           </a:xfrm>
           <a:prstGeom prst="line">
@@ -3972,7 +3972,7 @@
         </p:nvSpPr>
         <p:spPr>
           <a:xfrm>
-            <a:off x="2738811" y="2476554"/>
+            <a:off x="2681791" y="2685979"/>
             <a:ext cx="1093635" cy="346760"/>
           </a:xfrm>
           <a:prstGeom prst="rect">
@@ -4012,7 +4012,7 @@
           <a:p>
             <a:pPr algn="ctr"/>
             <a:r>
-              <a:rPr lang="en-US" sz="1050" err="1" smtClean="0">
+              <a:rPr lang="en-US" sz="1050" err="1">
                 <a:solidFill>
                   <a:schemeClr val="bg1"/>
                 </a:solidFill>
@@ -4035,7 +4035,7 @@
         </p:nvSpPr>
         <p:spPr>
           <a:xfrm>
-            <a:off x="2738810" y="3150218"/>
+            <a:off x="2685272" y="1978621"/>
             <a:ext cx="1093635" cy="346760"/>
           </a:xfrm>
           <a:prstGeom prst="rect">
@@ -4075,7 +4075,7 @@
           <a:p>
             <a:pPr algn="ctr"/>
             <a:r>
-              <a:rPr lang="en-US" sz="1050" err="1" smtClean="0">
+              <a:rPr lang="en-US" sz="1050" err="1">
                 <a:solidFill>
                   <a:schemeClr val="bg1"/>
                 </a:solidFill>
@@ -4098,7 +4098,7 @@
         </p:nvSpPr>
         <p:spPr>
           <a:xfrm>
-            <a:off x="3374084" y="2819400"/>
+            <a:off x="2923593" y="3132778"/>
             <a:ext cx="131116" cy="230832"/>
           </a:xfrm>
           <a:prstGeom prst="rect">
@@ -4114,7 +4114,7 @@
           <a:p>
             <a:pPr algn="r"/>
             <a:r>
-              <a:rPr lang="en-US" sz="1100">
+              <a:rPr lang="en-US" sz="1100" dirty="0">
                 <a:solidFill>
                   <a:schemeClr val="accent2">
                     <a:lumMod val="75000"/>
@@ -4123,7 +4123,7 @@
               </a:rPr>
               <a:t>1</a:t>
             </a:r>
-            <a:endParaRPr lang="en-SG" sz="1100">
+            <a:endParaRPr lang="en-SG" sz="1100" dirty="0">
               <a:solidFill>
                 <a:schemeClr val="accent2">
                   <a:lumMod val="75000"/>
@@ -4136,13 +4136,15 @@
       <p:cxnSp>
         <p:nvCxnSpPr>
           <p:cNvPr id="39" name="Straight Connector 38"/>
-          <p:cNvCxnSpPr/>
+          <p:cNvCxnSpPr>
+            <a:cxnSpLocks/>
+          </p:cNvCxnSpPr>
           <p:nvPr/>
         </p:nvCxnSpPr>
         <p:spPr>
-          <a:xfrm flipV="1">
-            <a:off x="3352800" y="2809875"/>
-            <a:ext cx="0" cy="340344"/>
+          <a:xfrm flipH="1">
+            <a:off x="3110664" y="3032739"/>
+            <a:ext cx="247" cy="278101"/>
           </a:xfrm>
           <a:prstGeom prst="line">
             <a:avLst/>
@@ -4182,7 +4184,7 @@
         </p:nvSpPr>
         <p:spPr>
           <a:xfrm>
-            <a:off x="4450533" y="3150218"/>
+            <a:off x="4396995" y="1978621"/>
             <a:ext cx="1169835" cy="346760"/>
           </a:xfrm>
           <a:prstGeom prst="rect">
@@ -4245,7 +4247,7 @@
           <a:p>
             <a:pPr algn="ctr"/>
             <a:r>
-              <a:rPr lang="en-US" sz="1050" b="1" err="1" smtClean="0">
+              <a:rPr lang="en-US" sz="1050" b="1" err="1">
                 <a:solidFill>
                   <a:schemeClr val="accent2"/>
                 </a:solidFill>
@@ -4268,7 +4270,7 @@
         </p:nvSpPr>
         <p:spPr>
           <a:xfrm>
-            <a:off x="4231695" y="3359983"/>
+            <a:off x="4178157" y="2188386"/>
             <a:ext cx="131116" cy="230832"/>
           </a:xfrm>
           <a:prstGeom prst="rect">
@@ -4311,7 +4313,7 @@
         </p:nvCxnSpPr>
         <p:spPr>
           <a:xfrm>
-            <a:off x="3840770" y="3302842"/>
+            <a:off x="3787232" y="2131245"/>
             <a:ext cx="616930" cy="2333"/>
           </a:xfrm>
           <a:prstGeom prst="line">
@@ -4354,7 +4356,7 @@
         </p:nvCxnSpPr>
         <p:spPr>
           <a:xfrm>
-            <a:off x="3819525" y="2657475"/>
+            <a:off x="3762505" y="2866900"/>
             <a:ext cx="703894" cy="2401"/>
           </a:xfrm>
           <a:prstGeom prst="bentConnector3">
@@ -4397,7 +4399,7 @@
         </p:nvSpPr>
         <p:spPr>
           <a:xfrm>
-            <a:off x="4523419" y="2486496"/>
+            <a:off x="4466399" y="2695921"/>
             <a:ext cx="1093635" cy="346760"/>
           </a:xfrm>
           <a:prstGeom prst="rect">
@@ -4437,7 +4439,7 @@
           <a:p>
             <a:pPr algn="ctr"/>
             <a:r>
-              <a:rPr lang="en-US" sz="1050" err="1" smtClean="0">
+              <a:rPr lang="en-US" sz="1050" err="1">
                 <a:solidFill>
                   <a:schemeClr val="bg1"/>
                 </a:solidFill>
@@ -4460,7 +4462,7 @@
         </p:nvGrpSpPr>
         <p:grpSpPr>
           <a:xfrm>
-            <a:off x="3584839" y="2405714"/>
+            <a:off x="3527819" y="2667000"/>
             <a:ext cx="889000" cy="230832"/>
             <a:chOff x="2895600" y="807932"/>
             <a:chExt cx="889000" cy="230832"/>
@@ -4490,7 +4492,7 @@
             <a:p>
               <a:pPr algn="r"/>
               <a:r>
-                <a:rPr lang="en-US" sz="1100" smtClean="0">
+                <a:rPr lang="en-US" sz="1100" dirty="0">
                   <a:solidFill>
                     <a:schemeClr val="accent2">
                       <a:lumMod val="75000"/>
@@ -4572,7 +4574,7 @@
         </p:nvCxnSpPr>
         <p:spPr>
           <a:xfrm>
-            <a:off x="5626013" y="3440500"/>
+            <a:off x="5572475" y="2268903"/>
             <a:ext cx="385260" cy="1184"/>
           </a:xfrm>
           <a:prstGeom prst="bentConnector3">
@@ -4615,7 +4617,7 @@
         </p:nvCxnSpPr>
         <p:spPr>
           <a:xfrm flipV="1">
-            <a:off x="5617054" y="2948191"/>
+            <a:off x="5563516" y="1776594"/>
             <a:ext cx="394219" cy="248262"/>
           </a:xfrm>
           <a:prstGeom prst="bentConnector3">
@@ -4662,7 +4664,7 @@
         </p:nvSpPr>
         <p:spPr>
           <a:xfrm>
-            <a:off x="6011273" y="3270700"/>
+            <a:off x="5957735" y="2099103"/>
             <a:ext cx="1227727" cy="346760"/>
           </a:xfrm>
           <a:prstGeom prst="rect">
@@ -4725,7 +4727,7 @@
           <a:p>
             <a:pPr algn="ctr"/>
             <a:r>
-              <a:rPr lang="en-US" sz="1050" b="1" smtClean="0">
+              <a:rPr lang="en-US" sz="1050" b="1">
                 <a:solidFill>
                   <a:schemeClr val="accent2"/>
                 </a:solidFill>
@@ -4754,7 +4756,7 @@
         </p:nvSpPr>
         <p:spPr>
           <a:xfrm>
-            <a:off x="6011273" y="2774811"/>
+            <a:off x="5957735" y="1603214"/>
             <a:ext cx="1227727" cy="346760"/>
           </a:xfrm>
           <a:prstGeom prst="rect">
@@ -4817,7 +4819,7 @@
           <a:p>
             <a:pPr algn="ctr"/>
             <a:r>
-              <a:rPr lang="en-US" sz="1050" b="1" smtClean="0">
+              <a:rPr lang="en-US" sz="1050" b="1">
                 <a:solidFill>
                   <a:schemeClr val="accent2"/>
                 </a:solidFill>
@@ -4835,13 +4837,478 @@
       <p:cxnSp>
         <p:nvCxnSpPr>
           <p:cNvPr id="69" name="Elbow Connector 122"/>
+          <p:cNvCxnSpPr>
+            <a:cxnSpLocks/>
+            <a:stCxn id="37" idx="2"/>
+            <a:endCxn id="51" idx="0"/>
+          </p:cNvCxnSpPr>
+          <p:nvPr/>
+        </p:nvCxnSpPr>
+        <p:spPr>
+          <a:xfrm rot="16200000" flipH="1">
+            <a:off x="3937383" y="1620087"/>
+            <a:ext cx="370540" cy="1781127"/>
+          </a:xfrm>
+          <a:prstGeom prst="bentConnector3">
+            <a:avLst>
+              <a:gd name="adj1" fmla="val 50000"/>
+            </a:avLst>
+          </a:prstGeom>
+          <a:ln w="19050">
+            <a:solidFill>
+              <a:schemeClr val="accent2">
+                <a:lumMod val="75000"/>
+              </a:schemeClr>
+            </a:solidFill>
+            <a:prstDash val="sysDot"/>
+            <a:headEnd type="none" w="med" len="med"/>
+            <a:tailEnd type="arrow" w="med" len="med"/>
+          </a:ln>
+          <a:effectLst/>
+        </p:spPr>
+        <p:style>
+          <a:lnRef idx="1">
+            <a:schemeClr val="accent2"/>
+          </a:lnRef>
+          <a:fillRef idx="2">
+            <a:schemeClr val="accent2"/>
+          </a:fillRef>
+          <a:effectRef idx="1">
+            <a:schemeClr val="accent2"/>
+          </a:effectRef>
+          <a:fontRef idx="minor">
+            <a:schemeClr val="dk1"/>
+          </a:fontRef>
+        </p:style>
+      </p:cxnSp>
+      <p:sp>
+        <p:nvSpPr>
+          <p:cNvPr id="29" name="Rectangle 8">
+            <a:extLst>
+              <a:ext uri="{FF2B5EF4-FFF2-40B4-BE49-F238E27FC236}">
+                <a16:creationId xmlns:a16="http://schemas.microsoft.com/office/drawing/2014/main" id="{17802EC7-F779-49EF-BBE0-9209B5B9DD03}"/>
+              </a:ext>
+            </a:extLst>
+          </p:cNvPr>
+          <p:cNvSpPr/>
+          <p:nvPr/>
+        </p:nvSpPr>
+        <p:spPr>
+          <a:xfrm>
+            <a:off x="2672460" y="3310840"/>
+            <a:ext cx="1111803" cy="346760"/>
+          </a:xfrm>
+          <a:prstGeom prst="rect">
+            <a:avLst/>
+          </a:prstGeom>
+          <a:solidFill>
+            <a:schemeClr val="accent2">
+              <a:lumMod val="75000"/>
+            </a:schemeClr>
+          </a:solidFill>
+          <a:ln w="19050">
+            <a:solidFill>
+              <a:schemeClr val="accent2">
+                <a:lumMod val="75000"/>
+              </a:schemeClr>
+            </a:solidFill>
+          </a:ln>
+          <a:effectLst/>
+        </p:spPr>
+        <p:style>
+          <a:lnRef idx="1">
+            <a:schemeClr val="accent2"/>
+          </a:lnRef>
+          <a:fillRef idx="2">
+            <a:schemeClr val="accent2"/>
+          </a:fillRef>
+          <a:effectRef idx="1">
+            <a:schemeClr val="accent2"/>
+          </a:effectRef>
+          <a:fontRef idx="minor">
+            <a:schemeClr val="dk1"/>
+          </a:fontRef>
+        </p:style>
+        <p:txBody>
+          <a:bodyPr rtlCol="0" anchor="ctr"/>
+          <a:lstStyle/>
+          <a:p>
+            <a:pPr algn="ctr"/>
+            <a:r>
+              <a:rPr lang="en-US" sz="1050" dirty="0" err="1">
+                <a:solidFill>
+                  <a:schemeClr val="bg1"/>
+                </a:solidFill>
+              </a:rPr>
+              <a:t>NlbCatalogueApi</a:t>
+            </a:r>
+            <a:endParaRPr lang="en-SG" sz="1050" dirty="0">
+              <a:solidFill>
+                <a:schemeClr val="bg1"/>
+              </a:solidFill>
+            </a:endParaRPr>
+          </a:p>
+        </p:txBody>
+      </p:sp>
+      <p:cxnSp>
+        <p:nvCxnSpPr>
+          <p:cNvPr id="40" name="Straight Connector 39">
+            <a:extLst>
+              <a:ext uri="{FF2B5EF4-FFF2-40B4-BE49-F238E27FC236}">
+                <a16:creationId xmlns:a16="http://schemas.microsoft.com/office/drawing/2014/main" id="{9397782E-9942-46B2-B39F-E1BEB8E597B3}"/>
+              </a:ext>
+            </a:extLst>
+          </p:cNvPr>
+          <p:cNvCxnSpPr>
+            <a:cxnSpLocks/>
+          </p:cNvCxnSpPr>
+          <p:nvPr/>
+        </p:nvCxnSpPr>
+        <p:spPr>
+          <a:xfrm flipV="1">
+            <a:off x="3120719" y="2325381"/>
+            <a:ext cx="3481" cy="360598"/>
+          </a:xfrm>
+          <a:prstGeom prst="line">
+            <a:avLst/>
+          </a:prstGeom>
+          <a:ln w="19050">
+            <a:solidFill>
+              <a:schemeClr val="accent2">
+                <a:lumMod val="75000"/>
+              </a:schemeClr>
+            </a:solidFill>
+            <a:prstDash val="solid"/>
+            <a:headEnd type="none" w="med" len="med"/>
+            <a:tailEnd type="arrow" w="med" len="med"/>
+          </a:ln>
+          <a:effectLst/>
+        </p:spPr>
+        <p:style>
+          <a:lnRef idx="1">
+            <a:schemeClr val="accent2"/>
+          </a:lnRef>
+          <a:fillRef idx="2">
+            <a:schemeClr val="accent2"/>
+          </a:fillRef>
+          <a:effectRef idx="1">
+            <a:schemeClr val="accent2"/>
+          </a:effectRef>
+          <a:fontRef idx="minor">
+            <a:schemeClr val="dk1"/>
+          </a:fontRef>
+        </p:style>
+      </p:cxnSp>
+      <p:sp>
+        <p:nvSpPr>
+          <p:cNvPr id="42" name="TextBox 41">
+            <a:extLst>
+              <a:ext uri="{FF2B5EF4-FFF2-40B4-BE49-F238E27FC236}">
+                <a16:creationId xmlns:a16="http://schemas.microsoft.com/office/drawing/2014/main" id="{6554EA6F-9424-455B-9D8F-E95E85127AB2}"/>
+              </a:ext>
+            </a:extLst>
+          </p:cNvPr>
+          <p:cNvSpPr txBox="1"/>
+          <p:nvPr/>
+        </p:nvSpPr>
+        <p:spPr>
+          <a:xfrm>
+            <a:off x="2935848" y="2359711"/>
+            <a:ext cx="131116" cy="230832"/>
+          </a:xfrm>
+          <a:prstGeom prst="rect">
+            <a:avLst/>
+          </a:prstGeom>
+          <a:noFill/>
+        </p:spPr>
+        <p:txBody>
+          <a:bodyPr wrap="square" lIns="0" tIns="0" rIns="0" bIns="0" rtlCol="0">
+            <a:noAutofit/>
+          </a:bodyPr>
+          <a:lstStyle/>
+          <a:p>
+            <a:pPr algn="r"/>
+            <a:r>
+              <a:rPr lang="en-US" sz="1100" dirty="0">
+                <a:solidFill>
+                  <a:schemeClr val="accent2">
+                    <a:lumMod val="75000"/>
+                  </a:schemeClr>
+                </a:solidFill>
+              </a:rPr>
+              <a:t>1</a:t>
+            </a:r>
+            <a:endParaRPr lang="en-SG" sz="1100" dirty="0">
+              <a:solidFill>
+                <a:schemeClr val="accent2">
+                  <a:lumMod val="75000"/>
+                </a:schemeClr>
+              </a:solidFill>
+            </a:endParaRPr>
+          </a:p>
+        </p:txBody>
+      </p:sp>
+      <p:cxnSp>
+        <p:nvCxnSpPr>
+          <p:cNvPr id="58" name="Elbow Connector 122">
+            <a:extLst>
+              <a:ext uri="{FF2B5EF4-FFF2-40B4-BE49-F238E27FC236}">
+                <a16:creationId xmlns:a16="http://schemas.microsoft.com/office/drawing/2014/main" id="{7F74578C-7891-45A5-A670-39642380E76B}"/>
+              </a:ext>
+            </a:extLst>
+          </p:cNvPr>
+          <p:cNvCxnSpPr>
+            <a:cxnSpLocks/>
+            <a:stCxn id="29" idx="0"/>
+            <a:endCxn id="51" idx="2"/>
+          </p:cNvCxnSpPr>
+          <p:nvPr/>
+        </p:nvCxnSpPr>
+        <p:spPr>
+          <a:xfrm rot="5400000" flipH="1" flipV="1">
+            <a:off x="3986710" y="2284334"/>
+            <a:ext cx="268159" cy="1784855"/>
+          </a:xfrm>
+          <a:prstGeom prst="bentConnector3">
+            <a:avLst>
+              <a:gd name="adj1" fmla="val 50000"/>
+            </a:avLst>
+          </a:prstGeom>
+          <a:ln w="19050">
+            <a:solidFill>
+              <a:schemeClr val="accent2">
+                <a:lumMod val="75000"/>
+              </a:schemeClr>
+            </a:solidFill>
+            <a:prstDash val="sysDot"/>
+            <a:headEnd type="none" w="med" len="med"/>
+            <a:tailEnd type="arrow" w="med" len="med"/>
+          </a:ln>
+          <a:effectLst/>
+        </p:spPr>
+        <p:style>
+          <a:lnRef idx="1">
+            <a:schemeClr val="accent2"/>
+          </a:lnRef>
+          <a:fillRef idx="2">
+            <a:schemeClr val="accent2"/>
+          </a:fillRef>
+          <a:effectRef idx="1">
+            <a:schemeClr val="accent2"/>
+          </a:effectRef>
+          <a:fontRef idx="minor">
+            <a:schemeClr val="dk1"/>
+          </a:fontRef>
+        </p:style>
+      </p:cxnSp>
+      <p:sp>
+        <p:nvSpPr>
+          <p:cNvPr id="60" name="TextBox 59">
+            <a:extLst>
+              <a:ext uri="{FF2B5EF4-FFF2-40B4-BE49-F238E27FC236}">
+                <a16:creationId xmlns:a16="http://schemas.microsoft.com/office/drawing/2014/main" id="{8D4BD49A-10C5-4CC1-80BE-678187AE741B}"/>
+              </a:ext>
+            </a:extLst>
+          </p:cNvPr>
+          <p:cNvSpPr txBox="1"/>
+          <p:nvPr/>
+        </p:nvSpPr>
+        <p:spPr>
+          <a:xfrm>
+            <a:off x="2489059" y="3503830"/>
+            <a:ext cx="131116" cy="230832"/>
+          </a:xfrm>
+          <a:prstGeom prst="rect">
+            <a:avLst/>
+          </a:prstGeom>
+          <a:noFill/>
+        </p:spPr>
+        <p:txBody>
+          <a:bodyPr wrap="square" lIns="0" tIns="0" rIns="0" bIns="0" rtlCol="0">
+            <a:noAutofit/>
+          </a:bodyPr>
+          <a:lstStyle/>
+          <a:p>
+            <a:pPr algn="r"/>
+            <a:r>
+              <a:rPr lang="en-US" sz="1100">
+                <a:solidFill>
+                  <a:schemeClr val="accent2">
+                    <a:lumMod val="75000"/>
+                  </a:schemeClr>
+                </a:solidFill>
+              </a:rPr>
+              <a:t>1</a:t>
+            </a:r>
+            <a:endParaRPr lang="en-SG" sz="1100">
+              <a:solidFill>
+                <a:schemeClr val="accent2">
+                  <a:lumMod val="75000"/>
+                </a:schemeClr>
+              </a:solidFill>
+            </a:endParaRPr>
+          </a:p>
+        </p:txBody>
+      </p:sp>
+      <p:cxnSp>
+        <p:nvCxnSpPr>
+          <p:cNvPr id="61" name="Straight Connector 60">
+            <a:extLst>
+              <a:ext uri="{FF2B5EF4-FFF2-40B4-BE49-F238E27FC236}">
+                <a16:creationId xmlns:a16="http://schemas.microsoft.com/office/drawing/2014/main" id="{88925414-2801-4013-B6DC-865E0C53E631}"/>
+              </a:ext>
+            </a:extLst>
+          </p:cNvPr>
           <p:cNvCxnSpPr/>
           <p:nvPr/>
         </p:nvCxnSpPr>
         <p:spPr>
-          <a:xfrm flipV="1">
-            <a:off x="3840770" y="2801198"/>
-            <a:ext cx="682649" cy="358258"/>
+          <a:xfrm>
+            <a:off x="2335030" y="3457169"/>
+            <a:ext cx="361447" cy="0"/>
+          </a:xfrm>
+          <a:prstGeom prst="line">
+            <a:avLst/>
+          </a:prstGeom>
+          <a:ln w="19050">
+            <a:solidFill>
+              <a:schemeClr val="accent2">
+                <a:lumMod val="75000"/>
+              </a:schemeClr>
+            </a:solidFill>
+            <a:prstDash val="solid"/>
+            <a:headEnd type="none" w="med" len="med"/>
+            <a:tailEnd type="arrow" w="med" len="med"/>
+          </a:ln>
+          <a:effectLst/>
+        </p:spPr>
+        <p:style>
+          <a:lnRef idx="1">
+            <a:schemeClr val="accent2"/>
+          </a:lnRef>
+          <a:fillRef idx="2">
+            <a:schemeClr val="accent2"/>
+          </a:fillRef>
+          <a:effectRef idx="1">
+            <a:schemeClr val="accent2"/>
+          </a:effectRef>
+          <a:fontRef idx="minor">
+            <a:schemeClr val="dk1"/>
+          </a:fontRef>
+        </p:style>
+      </p:cxnSp>
+      <p:sp>
+        <p:nvSpPr>
+          <p:cNvPr id="64" name="Rectangle 8">
+            <a:extLst>
+              <a:ext uri="{FF2B5EF4-FFF2-40B4-BE49-F238E27FC236}">
+                <a16:creationId xmlns:a16="http://schemas.microsoft.com/office/drawing/2014/main" id="{BB7A44EF-A18B-402A-BBB2-2FE7DD7A786E}"/>
+              </a:ext>
+            </a:extLst>
+          </p:cNvPr>
+          <p:cNvSpPr/>
+          <p:nvPr/>
+        </p:nvSpPr>
+        <p:spPr>
+          <a:xfrm>
+            <a:off x="4402481" y="3340358"/>
+            <a:ext cx="1169835" cy="298580"/>
+          </a:xfrm>
+          <a:prstGeom prst="rect">
+            <a:avLst/>
+          </a:prstGeom>
+          <a:gradFill flip="none" rotWithShape="1">
+            <a:gsLst>
+              <a:gs pos="0">
+                <a:schemeClr val="accent2">
+                  <a:lumMod val="60000"/>
+                  <a:lumOff val="40000"/>
+                  <a:tint val="66000"/>
+                  <a:satMod val="160000"/>
+                </a:schemeClr>
+              </a:gs>
+              <a:gs pos="50000">
+                <a:schemeClr val="accent2">
+                  <a:lumMod val="60000"/>
+                  <a:lumOff val="40000"/>
+                  <a:tint val="44500"/>
+                  <a:satMod val="160000"/>
+                </a:schemeClr>
+              </a:gs>
+              <a:gs pos="100000">
+                <a:schemeClr val="accent2">
+                  <a:lumMod val="60000"/>
+                  <a:lumOff val="40000"/>
+                  <a:tint val="23500"/>
+                  <a:satMod val="160000"/>
+                </a:schemeClr>
+              </a:gs>
+            </a:gsLst>
+            <a:lin ang="16200000" scaled="1"/>
+            <a:tileRect/>
+          </a:gradFill>
+          <a:ln w="19050">
+            <a:solidFill>
+              <a:schemeClr val="accent2"/>
+            </a:solidFill>
+          </a:ln>
+          <a:effectLst/>
+        </p:spPr>
+        <p:style>
+          <a:lnRef idx="1">
+            <a:schemeClr val="accent6"/>
+          </a:lnRef>
+          <a:fillRef idx="2">
+            <a:schemeClr val="accent6"/>
+          </a:fillRef>
+          <a:effectRef idx="1">
+            <a:schemeClr val="accent6"/>
+          </a:effectRef>
+          <a:fontRef idx="minor">
+            <a:schemeClr val="dk1"/>
+          </a:fontRef>
+        </p:style>
+        <p:txBody>
+          <a:bodyPr rtlCol="0" anchor="ctr"/>
+          <a:lstStyle/>
+          <a:p>
+            <a:pPr algn="ctr"/>
+            <a:r>
+              <a:rPr lang="en-US" sz="1050" b="1" dirty="0" err="1">
+                <a:solidFill>
+                  <a:schemeClr val="accent2"/>
+                </a:solidFill>
+              </a:rPr>
+              <a:t>NlbResultHelper</a:t>
+            </a:r>
+            <a:endParaRPr lang="en-SG" sz="1050" b="1" dirty="0">
+              <a:solidFill>
+                <a:schemeClr val="accent2"/>
+              </a:solidFill>
+            </a:endParaRPr>
+          </a:p>
+        </p:txBody>
+      </p:sp>
+      <p:cxnSp>
+        <p:nvCxnSpPr>
+          <p:cNvPr id="65" name="Elbow Connector 122">
+            <a:extLst>
+              <a:ext uri="{FF2B5EF4-FFF2-40B4-BE49-F238E27FC236}">
+                <a16:creationId xmlns:a16="http://schemas.microsoft.com/office/drawing/2014/main" id="{F5CD1800-1C6A-4A3B-A69A-01CE112DA855}"/>
+              </a:ext>
+            </a:extLst>
+          </p:cNvPr>
+          <p:cNvCxnSpPr>
+            <a:cxnSpLocks/>
+            <a:stCxn id="29" idx="3"/>
+            <a:endCxn id="64" idx="1"/>
+          </p:cNvCxnSpPr>
+          <p:nvPr/>
+        </p:nvCxnSpPr>
+        <p:spPr>
+          <a:xfrm>
+            <a:off x="3784263" y="3484220"/>
+            <a:ext cx="618218" cy="5428"/>
           </a:xfrm>
           <a:prstGeom prst="bentConnector3">
             <a:avLst>
